--- a/img/ppt/approach_overview.pptx
+++ b/img/ppt/approach_overview.pptx
@@ -104,6 +104,11 @@
       </a:defRPr>
     </a:lvl9pPr>
   </p:defaultTextStyle>
+  <p:extLst>
+    <p:ext uri="{EFAFB233-063F-42B5-8137-9DF3F51BA10A}">
+      <p15:sldGuideLst xmlns:p15="http://schemas.microsoft.com/office/powerpoint/2012/main"/>
+    </p:ext>
+  </p:extLst>
 </p:presentation>
 </file>
 
@@ -238,7 +243,7 @@
           <a:p>
             <a:fld id="{F6F35366-436E-41E9-A026-90CF5F59A8B5}" type="datetimeFigureOut">
               <a:rPr lang="de-DE" smtClean="0"/>
-              <a:t>15.06.2021</a:t>
+              <a:t>30.06.2021</a:t>
             </a:fld>
             <a:endParaRPr lang="de-DE"/>
           </a:p>
@@ -408,7 +413,7 @@
           <a:p>
             <a:fld id="{F6F35366-436E-41E9-A026-90CF5F59A8B5}" type="datetimeFigureOut">
               <a:rPr lang="de-DE" smtClean="0"/>
-              <a:t>15.06.2021</a:t>
+              <a:t>30.06.2021</a:t>
             </a:fld>
             <a:endParaRPr lang="de-DE"/>
           </a:p>
@@ -588,7 +593,7 @@
           <a:p>
             <a:fld id="{F6F35366-436E-41E9-A026-90CF5F59A8B5}" type="datetimeFigureOut">
               <a:rPr lang="de-DE" smtClean="0"/>
-              <a:t>15.06.2021</a:t>
+              <a:t>30.06.2021</a:t>
             </a:fld>
             <a:endParaRPr lang="de-DE"/>
           </a:p>
@@ -758,7 +763,7 @@
           <a:p>
             <a:fld id="{F6F35366-436E-41E9-A026-90CF5F59A8B5}" type="datetimeFigureOut">
               <a:rPr lang="de-DE" smtClean="0"/>
-              <a:t>15.06.2021</a:t>
+              <a:t>30.06.2021</a:t>
             </a:fld>
             <a:endParaRPr lang="de-DE"/>
           </a:p>
@@ -1004,7 +1009,7 @@
           <a:p>
             <a:fld id="{F6F35366-436E-41E9-A026-90CF5F59A8B5}" type="datetimeFigureOut">
               <a:rPr lang="de-DE" smtClean="0"/>
-              <a:t>15.06.2021</a:t>
+              <a:t>30.06.2021</a:t>
             </a:fld>
             <a:endParaRPr lang="de-DE"/>
           </a:p>
@@ -1236,7 +1241,7 @@
           <a:p>
             <a:fld id="{F6F35366-436E-41E9-A026-90CF5F59A8B5}" type="datetimeFigureOut">
               <a:rPr lang="de-DE" smtClean="0"/>
-              <a:t>15.06.2021</a:t>
+              <a:t>30.06.2021</a:t>
             </a:fld>
             <a:endParaRPr lang="de-DE"/>
           </a:p>
@@ -1603,7 +1608,7 @@
           <a:p>
             <a:fld id="{F6F35366-436E-41E9-A026-90CF5F59A8B5}" type="datetimeFigureOut">
               <a:rPr lang="de-DE" smtClean="0"/>
-              <a:t>15.06.2021</a:t>
+              <a:t>30.06.2021</a:t>
             </a:fld>
             <a:endParaRPr lang="de-DE"/>
           </a:p>
@@ -1721,7 +1726,7 @@
           <a:p>
             <a:fld id="{F6F35366-436E-41E9-A026-90CF5F59A8B5}" type="datetimeFigureOut">
               <a:rPr lang="de-DE" smtClean="0"/>
-              <a:t>15.06.2021</a:t>
+              <a:t>30.06.2021</a:t>
             </a:fld>
             <a:endParaRPr lang="de-DE"/>
           </a:p>
@@ -1816,7 +1821,7 @@
           <a:p>
             <a:fld id="{F6F35366-436E-41E9-A026-90CF5F59A8B5}" type="datetimeFigureOut">
               <a:rPr lang="de-DE" smtClean="0"/>
-              <a:t>15.06.2021</a:t>
+              <a:t>30.06.2021</a:t>
             </a:fld>
             <a:endParaRPr lang="de-DE"/>
           </a:p>
@@ -2093,7 +2098,7 @@
           <a:p>
             <a:fld id="{F6F35366-436E-41E9-A026-90CF5F59A8B5}" type="datetimeFigureOut">
               <a:rPr lang="de-DE" smtClean="0"/>
-              <a:t>15.06.2021</a:t>
+              <a:t>30.06.2021</a:t>
             </a:fld>
             <a:endParaRPr lang="de-DE"/>
           </a:p>
@@ -2346,7 +2351,7 @@
           <a:p>
             <a:fld id="{F6F35366-436E-41E9-A026-90CF5F59A8B5}" type="datetimeFigureOut">
               <a:rPr lang="de-DE" smtClean="0"/>
-              <a:t>15.06.2021</a:t>
+              <a:t>30.06.2021</a:t>
             </a:fld>
             <a:endParaRPr lang="de-DE"/>
           </a:p>
@@ -2559,7 +2564,7 @@
           <a:p>
             <a:fld id="{F6F35366-436E-41E9-A026-90CF5F59A8B5}" type="datetimeFigureOut">
               <a:rPr lang="de-DE" smtClean="0"/>
-              <a:t>15.06.2021</a:t>
+              <a:t>30.06.2021</a:t>
             </a:fld>
             <a:endParaRPr lang="de-DE"/>
           </a:p>
@@ -3030,10 +3035,10 @@
           <a:lstStyle/>
           <a:p>
             <a:r>
-              <a:rPr lang="en-US" sz="1100" dirty="0" smtClean="0"/>
+              <a:rPr lang="en-US" sz="1100" u="sng" dirty="0" smtClean="0"/>
               <a:t>per Benchmark</a:t>
             </a:r>
-            <a:endParaRPr lang="de-DE" sz="1100" dirty="0"/>
+            <a:endParaRPr lang="de-DE" sz="1100" u="sng" dirty="0"/>
           </a:p>
         </p:txBody>
       </p:sp>
@@ -3141,10 +3146,10 @@
           <a:lstStyle/>
           <a:p>
             <a:r>
-              <a:rPr lang="en-US" sz="1100" dirty="0" smtClean="0"/>
+              <a:rPr lang="en-US" sz="1100" u="sng" dirty="0" smtClean="0"/>
               <a:t>per Basic Block (BB)</a:t>
             </a:r>
-            <a:endParaRPr lang="de-DE" sz="1100" dirty="0"/>
+            <a:endParaRPr lang="de-DE" sz="1100" u="sng" dirty="0"/>
           </a:p>
         </p:txBody>
       </p:sp>

--- a/img/ppt/approach_overview.pptx
+++ b/img/ppt/approach_overview.pptx
@@ -243,7 +243,7 @@
           <a:p>
             <a:fld id="{F6F35366-436E-41E9-A026-90CF5F59A8B5}" type="datetimeFigureOut">
               <a:rPr lang="de-DE" smtClean="0"/>
-              <a:t>30.06.2021</a:t>
+              <a:t>26.10.2021</a:t>
             </a:fld>
             <a:endParaRPr lang="de-DE"/>
           </a:p>
@@ -413,7 +413,7 @@
           <a:p>
             <a:fld id="{F6F35366-436E-41E9-A026-90CF5F59A8B5}" type="datetimeFigureOut">
               <a:rPr lang="de-DE" smtClean="0"/>
-              <a:t>30.06.2021</a:t>
+              <a:t>26.10.2021</a:t>
             </a:fld>
             <a:endParaRPr lang="de-DE"/>
           </a:p>
@@ -593,7 +593,7 @@
           <a:p>
             <a:fld id="{F6F35366-436E-41E9-A026-90CF5F59A8B5}" type="datetimeFigureOut">
               <a:rPr lang="de-DE" smtClean="0"/>
-              <a:t>30.06.2021</a:t>
+              <a:t>26.10.2021</a:t>
             </a:fld>
             <a:endParaRPr lang="de-DE"/>
           </a:p>
@@ -763,7 +763,7 @@
           <a:p>
             <a:fld id="{F6F35366-436E-41E9-A026-90CF5F59A8B5}" type="datetimeFigureOut">
               <a:rPr lang="de-DE" smtClean="0"/>
-              <a:t>30.06.2021</a:t>
+              <a:t>26.10.2021</a:t>
             </a:fld>
             <a:endParaRPr lang="de-DE"/>
           </a:p>
@@ -1009,7 +1009,7 @@
           <a:p>
             <a:fld id="{F6F35366-436E-41E9-A026-90CF5F59A8B5}" type="datetimeFigureOut">
               <a:rPr lang="de-DE" smtClean="0"/>
-              <a:t>30.06.2021</a:t>
+              <a:t>26.10.2021</a:t>
             </a:fld>
             <a:endParaRPr lang="de-DE"/>
           </a:p>
@@ -1241,7 +1241,7 @@
           <a:p>
             <a:fld id="{F6F35366-436E-41E9-A026-90CF5F59A8B5}" type="datetimeFigureOut">
               <a:rPr lang="de-DE" smtClean="0"/>
-              <a:t>30.06.2021</a:t>
+              <a:t>26.10.2021</a:t>
             </a:fld>
             <a:endParaRPr lang="de-DE"/>
           </a:p>
@@ -1608,7 +1608,7 @@
           <a:p>
             <a:fld id="{F6F35366-436E-41E9-A026-90CF5F59A8B5}" type="datetimeFigureOut">
               <a:rPr lang="de-DE" smtClean="0"/>
-              <a:t>30.06.2021</a:t>
+              <a:t>26.10.2021</a:t>
             </a:fld>
             <a:endParaRPr lang="de-DE"/>
           </a:p>
@@ -1726,7 +1726,7 @@
           <a:p>
             <a:fld id="{F6F35366-436E-41E9-A026-90CF5F59A8B5}" type="datetimeFigureOut">
               <a:rPr lang="de-DE" smtClean="0"/>
-              <a:t>30.06.2021</a:t>
+              <a:t>26.10.2021</a:t>
             </a:fld>
             <a:endParaRPr lang="de-DE"/>
           </a:p>
@@ -1821,7 +1821,7 @@
           <a:p>
             <a:fld id="{F6F35366-436E-41E9-A026-90CF5F59A8B5}" type="datetimeFigureOut">
               <a:rPr lang="de-DE" smtClean="0"/>
-              <a:t>30.06.2021</a:t>
+              <a:t>26.10.2021</a:t>
             </a:fld>
             <a:endParaRPr lang="de-DE"/>
           </a:p>
@@ -2098,7 +2098,7 @@
           <a:p>
             <a:fld id="{F6F35366-436E-41E9-A026-90CF5F59A8B5}" type="datetimeFigureOut">
               <a:rPr lang="de-DE" smtClean="0"/>
-              <a:t>30.06.2021</a:t>
+              <a:t>26.10.2021</a:t>
             </a:fld>
             <a:endParaRPr lang="de-DE"/>
           </a:p>
@@ -2351,7 +2351,7 @@
           <a:p>
             <a:fld id="{F6F35366-436E-41E9-A026-90CF5F59A8B5}" type="datetimeFigureOut">
               <a:rPr lang="de-DE" smtClean="0"/>
-              <a:t>30.06.2021</a:t>
+              <a:t>26.10.2021</a:t>
             </a:fld>
             <a:endParaRPr lang="de-DE"/>
           </a:p>
@@ -2564,7 +2564,7 @@
           <a:p>
             <a:fld id="{F6F35366-436E-41E9-A026-90CF5F59A8B5}" type="datetimeFigureOut">
               <a:rPr lang="de-DE" smtClean="0"/>
-              <a:t>30.06.2021</a:t>
+              <a:t>26.10.2021</a:t>
             </a:fld>
             <a:endParaRPr lang="de-DE"/>
           </a:p>
@@ -2977,8 +2977,8 @@
         </p:nvSpPr>
         <p:spPr>
           <a:xfrm>
-            <a:off x="1166114" y="1792993"/>
-            <a:ext cx="663067" cy="276999"/>
+            <a:off x="940262" y="1700660"/>
+            <a:ext cx="824849" cy="461665"/>
           </a:xfrm>
           <a:prstGeom prst="rect">
             <a:avLst/>
@@ -2986,16 +2986,27 @@
           <a:noFill/>
         </p:spPr>
         <p:txBody>
-          <a:bodyPr wrap="none" rtlCol="0" anchor="ctr">
+          <a:bodyPr wrap="square" rtlCol="0" anchor="ctr">
             <a:spAutoFit/>
           </a:bodyPr>
           <a:lstStyle/>
           <a:p>
-            <a:r>
-              <a:rPr lang="en-US" sz="1200" dirty="0" smtClean="0"/>
-              <a:t>Dataset</a:t>
-            </a:r>
-            <a:endParaRPr lang="de-DE" sz="1200" dirty="0"/>
+            <a:pPr algn="ctr"/>
+            <a:r>
+              <a:rPr lang="en-US" sz="1200" dirty="0" smtClean="0">
+                <a:latin typeface="Stafford Pro" panose="02000503030000020004" pitchFamily="2" charset="0"/>
+              </a:rPr>
+              <a:t>LLVM </a:t>
+            </a:r>
+            <a:r>
+              <a:rPr lang="en-US" sz="1200" dirty="0" smtClean="0">
+                <a:latin typeface="Stafford Pro" panose="02000503030000020004" pitchFamily="2" charset="0"/>
+              </a:rPr>
+              <a:t>Test Suite</a:t>
+            </a:r>
+            <a:endParaRPr lang="de-DE" sz="1200" dirty="0">
+              <a:latin typeface="Stafford Pro" panose="02000503030000020004" pitchFamily="2" charset="0"/>
+            </a:endParaRPr>
           </a:p>
         </p:txBody>
       </p:sp>
@@ -3007,8 +3018,8 @@
         </p:nvSpPr>
         <p:spPr>
           <a:xfrm>
-            <a:off x="1910995" y="1134237"/>
-            <a:ext cx="5932525" cy="2205016"/>
+            <a:off x="1910996" y="1062681"/>
+            <a:ext cx="5496880" cy="2276572"/>
           </a:xfrm>
           <a:prstGeom prst="rect">
             <a:avLst/>
@@ -3035,10 +3046,14 @@
           <a:lstStyle/>
           <a:p>
             <a:r>
-              <a:rPr lang="en-US" sz="1100" u="sng" dirty="0" smtClean="0"/>
+              <a:rPr lang="en-US" sz="1100" u="sng" dirty="0" smtClean="0">
+                <a:latin typeface="Stafford Pro" panose="02000503030000020004" pitchFamily="2" charset="0"/>
+              </a:rPr>
               <a:t>per Benchmark</a:t>
             </a:r>
-            <a:endParaRPr lang="de-DE" sz="1100" u="sng" dirty="0"/>
+            <a:endParaRPr lang="de-DE" sz="1100" u="sng" dirty="0">
+              <a:latin typeface="Stafford Pro" panose="02000503030000020004" pitchFamily="2" charset="0"/>
+            </a:endParaRPr>
           </a:p>
         </p:txBody>
       </p:sp>
@@ -3050,8 +3065,8 @@
         </p:nvSpPr>
         <p:spPr>
           <a:xfrm>
-            <a:off x="1984005" y="2828904"/>
-            <a:ext cx="1024897" cy="461665"/>
+            <a:off x="1966164" y="2828904"/>
+            <a:ext cx="1122360" cy="461665"/>
           </a:xfrm>
           <a:prstGeom prst="rect">
             <a:avLst/>
@@ -3066,17 +3081,44 @@
           <a:p>
             <a:pPr algn="ctr"/>
             <a:r>
-              <a:rPr lang="en-US" sz="1200" dirty="0" smtClean="0"/>
-              <a:t>BB counter</a:t>
-            </a:r>
+              <a:rPr lang="en-US" sz="1200" dirty="0" smtClean="0">
+                <a:latin typeface="Stafford Pro" panose="02000503030000020004" pitchFamily="2" charset="0"/>
+              </a:rPr>
+              <a:t>BB </a:t>
+            </a:r>
+            <a:r>
+              <a:rPr lang="en-US" sz="1200" dirty="0" smtClean="0">
+                <a:latin typeface="Stafford Pro" panose="02000503030000020004" pitchFamily="2" charset="0"/>
+              </a:rPr>
+              <a:t>Counter</a:t>
+            </a:r>
+            <a:endParaRPr lang="en-US" sz="1200" dirty="0" smtClean="0">
+              <a:latin typeface="Stafford Pro" panose="02000503030000020004" pitchFamily="2" charset="0"/>
+            </a:endParaRPr>
           </a:p>
           <a:p>
             <a:pPr algn="ctr"/>
             <a:r>
-              <a:rPr lang="en-US" sz="1200" dirty="0" smtClean="0"/>
-              <a:t>injected code</a:t>
-            </a:r>
-            <a:endParaRPr lang="de-DE" sz="1200" dirty="0"/>
+              <a:rPr lang="en-US" sz="1200" dirty="0" smtClean="0">
+                <a:latin typeface="Stafford Pro" panose="02000503030000020004" pitchFamily="2" charset="0"/>
+              </a:rPr>
+              <a:t>Injected </a:t>
+            </a:r>
+            <a:r>
+              <a:rPr lang="en-US" sz="1200" dirty="0">
+                <a:latin typeface="Stafford Pro" panose="02000503030000020004" pitchFamily="2" charset="0"/>
+              </a:rPr>
+              <a:t>C</a:t>
+            </a:r>
+            <a:r>
+              <a:rPr lang="en-US" sz="1200" dirty="0" smtClean="0">
+                <a:latin typeface="Stafford Pro" panose="02000503030000020004" pitchFamily="2" charset="0"/>
+              </a:rPr>
+              <a:t>ode</a:t>
+            </a:r>
+            <a:endParaRPr lang="de-DE" sz="1200" dirty="0">
+              <a:latin typeface="Stafford Pro" panose="02000503030000020004" pitchFamily="2" charset="0"/>
+            </a:endParaRPr>
           </a:p>
         </p:txBody>
       </p:sp>
@@ -3088,8 +3130,8 @@
         </p:nvSpPr>
         <p:spPr>
           <a:xfrm>
-            <a:off x="3182589" y="2924132"/>
-            <a:ext cx="830811" cy="276999"/>
+            <a:off x="3324683" y="2924132"/>
+            <a:ext cx="924876" cy="276999"/>
           </a:xfrm>
           <a:prstGeom prst="rect">
             <a:avLst/>
@@ -3103,10 +3145,20 @@
           <a:lstStyle/>
           <a:p>
             <a:r>
-              <a:rPr lang="en-US" sz="1200" dirty="0" smtClean="0"/>
-              <a:t>BB counts</a:t>
-            </a:r>
-            <a:endParaRPr lang="de-DE" sz="1200" dirty="0"/>
+              <a:rPr lang="en-US" sz="1200" dirty="0" smtClean="0">
+                <a:latin typeface="Stafford Pro" panose="02000503030000020004" pitchFamily="2" charset="0"/>
+              </a:rPr>
+              <a:t>BB </a:t>
+            </a:r>
+            <a:r>
+              <a:rPr lang="en-US" sz="1200" dirty="0" smtClean="0">
+                <a:latin typeface="Stafford Pro" panose="02000503030000020004" pitchFamily="2" charset="0"/>
+              </a:rPr>
+              <a:t>Counts</a:t>
+            </a:r>
+            <a:endParaRPr lang="de-DE" sz="1200" dirty="0">
+              <a:latin typeface="Stafford Pro" panose="02000503030000020004" pitchFamily="2" charset="0"/>
+            </a:endParaRPr>
           </a:p>
         </p:txBody>
       </p:sp>
@@ -3118,8 +3170,8 @@
         </p:nvSpPr>
         <p:spPr>
           <a:xfrm>
-            <a:off x="4118186" y="1214611"/>
-            <a:ext cx="3637281" cy="2046704"/>
+            <a:off x="4713639" y="1161535"/>
+            <a:ext cx="2595383" cy="2099780"/>
           </a:xfrm>
           <a:prstGeom prst="rect">
             <a:avLst/>
@@ -3146,10 +3198,14 @@
           <a:lstStyle/>
           <a:p>
             <a:r>
-              <a:rPr lang="en-US" sz="1100" u="sng" dirty="0" smtClean="0"/>
+              <a:rPr lang="en-US" sz="1100" u="sng" dirty="0" smtClean="0">
+                <a:latin typeface="Stafford Pro" panose="02000503030000020004" pitchFamily="2" charset="0"/>
+              </a:rPr>
               <a:t>per Basic Block (BB)</a:t>
             </a:r>
-            <a:endParaRPr lang="de-DE" sz="1100" u="sng" dirty="0"/>
+            <a:endParaRPr lang="de-DE" sz="1100" u="sng" dirty="0">
+              <a:latin typeface="Stafford Pro" panose="02000503030000020004" pitchFamily="2" charset="0"/>
+            </a:endParaRPr>
           </a:p>
         </p:txBody>
       </p:sp>
@@ -3161,8 +3217,8 @@
         </p:nvSpPr>
         <p:spPr>
           <a:xfrm>
-            <a:off x="3172209" y="2545460"/>
-            <a:ext cx="841192" cy="276999"/>
+            <a:off x="3295769" y="2545460"/>
+            <a:ext cx="935256" cy="276999"/>
           </a:xfrm>
           <a:prstGeom prst="rect">
             <a:avLst/>
@@ -3176,10 +3232,20 @@
           <a:lstStyle/>
           <a:p>
             <a:r>
-              <a:rPr lang="en-US" sz="1200" dirty="0" smtClean="0"/>
-              <a:t>BB lengths</a:t>
-            </a:r>
-            <a:endParaRPr lang="de-DE" sz="1200" dirty="0"/>
+              <a:rPr lang="en-US" sz="1200" dirty="0" smtClean="0">
+                <a:latin typeface="Stafford Pro" panose="02000503030000020004" pitchFamily="2" charset="0"/>
+              </a:rPr>
+              <a:t>BB </a:t>
+            </a:r>
+            <a:r>
+              <a:rPr lang="en-US" sz="1200" dirty="0" smtClean="0">
+                <a:latin typeface="Stafford Pro" panose="02000503030000020004" pitchFamily="2" charset="0"/>
+              </a:rPr>
+              <a:t>Lengths</a:t>
+            </a:r>
+            <a:endParaRPr lang="de-DE" sz="1200" dirty="0">
+              <a:latin typeface="Stafford Pro" panose="02000503030000020004" pitchFamily="2" charset="0"/>
+            </a:endParaRPr>
           </a:p>
         </p:txBody>
       </p:sp>
@@ -3191,8 +3257,8 @@
         </p:nvSpPr>
         <p:spPr>
           <a:xfrm>
-            <a:off x="4228612" y="1792993"/>
-            <a:ext cx="950901" cy="276999"/>
+            <a:off x="3256547" y="1878594"/>
+            <a:ext cx="1009956" cy="276999"/>
           </a:xfrm>
           <a:prstGeom prst="rect">
             <a:avLst/>
@@ -3206,10 +3272,20 @@
           <a:lstStyle/>
           <a:p>
             <a:r>
-              <a:rPr lang="en-US" sz="1200" dirty="0" smtClean="0"/>
-              <a:t>BB selection</a:t>
-            </a:r>
-            <a:endParaRPr lang="de-DE" sz="1200" dirty="0"/>
+              <a:rPr lang="en-US" sz="1200" dirty="0" smtClean="0">
+                <a:latin typeface="Stafford Pro" panose="02000503030000020004" pitchFamily="2" charset="0"/>
+              </a:rPr>
+              <a:t>BB </a:t>
+            </a:r>
+            <a:r>
+              <a:rPr lang="en-US" sz="1200" dirty="0" smtClean="0">
+                <a:latin typeface="Stafford Pro" panose="02000503030000020004" pitchFamily="2" charset="0"/>
+              </a:rPr>
+              <a:t>Selection</a:t>
+            </a:r>
+            <a:endParaRPr lang="de-DE" sz="1200" dirty="0">
+              <a:latin typeface="Stafford Pro" panose="02000503030000020004" pitchFamily="2" charset="0"/>
+            </a:endParaRPr>
           </a:p>
         </p:txBody>
       </p:sp>
@@ -3222,7 +3298,7 @@
         <p:spPr>
           <a:xfrm>
             <a:off x="2054489" y="1792993"/>
-            <a:ext cx="891591" cy="276999"/>
+            <a:ext cx="942822" cy="276999"/>
           </a:xfrm>
           <a:prstGeom prst="rect">
             <a:avLst/>
@@ -3236,10 +3312,14 @@
           <a:lstStyle/>
           <a:p>
             <a:r>
-              <a:rPr lang="en-US" sz="1200" dirty="0" smtClean="0"/>
+              <a:rPr lang="en-US" sz="1200" dirty="0" smtClean="0">
+                <a:latin typeface="Stafford Pro" panose="02000503030000020004" pitchFamily="2" charset="0"/>
+              </a:rPr>
               <a:t>Benchmark</a:t>
             </a:r>
-            <a:endParaRPr lang="de-DE" sz="1200" dirty="0"/>
+            <a:endParaRPr lang="de-DE" sz="1200" dirty="0">
+              <a:latin typeface="Stafford Pro" panose="02000503030000020004" pitchFamily="2" charset="0"/>
+            </a:endParaRPr>
           </a:p>
         </p:txBody>
       </p:sp>
@@ -3254,8 +3334,8 @@
         </p:nvCxnSpPr>
         <p:spPr>
           <a:xfrm>
-            <a:off x="1829181" y="1931493"/>
-            <a:ext cx="225308" cy="0"/>
+            <a:off x="1765111" y="1931493"/>
+            <a:ext cx="289378" cy="0"/>
           </a:xfrm>
           <a:prstGeom prst="straightConnector1">
             <a:avLst/>
@@ -3289,9 +3369,9 @@
           <p:nvPr/>
         </p:nvCxnSpPr>
         <p:spPr>
-          <a:xfrm flipH="1">
-            <a:off x="2496454" y="2069992"/>
-            <a:ext cx="3831" cy="758912"/>
+          <a:xfrm>
+            <a:off x="2525900" y="2069992"/>
+            <a:ext cx="1444" cy="758912"/>
           </a:xfrm>
           <a:prstGeom prst="straightConnector1">
             <a:avLst/>
@@ -3326,8 +3406,8 @@
         </p:nvCxnSpPr>
         <p:spPr>
           <a:xfrm>
-            <a:off x="3008902" y="3059737"/>
-            <a:ext cx="173687" cy="2895"/>
+            <a:off x="3088524" y="3059737"/>
+            <a:ext cx="236159" cy="2895"/>
           </a:xfrm>
           <a:prstGeom prst="straightConnector1">
             <a:avLst/>
@@ -3359,8 +3439,8 @@
         </p:nvSpPr>
         <p:spPr>
           <a:xfrm>
-            <a:off x="5389780" y="1299226"/>
-            <a:ext cx="2277503" cy="967049"/>
+            <a:off x="4926403" y="1445738"/>
+            <a:ext cx="2277503" cy="869961"/>
           </a:xfrm>
           <a:prstGeom prst="rect">
             <a:avLst/>
@@ -3388,10 +3468,14 @@
           <a:p>
             <a:pPr algn="ctr"/>
             <a:r>
-              <a:rPr lang="en-US" sz="1200" u="sng" dirty="0" smtClean="0"/>
+              <a:rPr lang="en-US" sz="1200" u="sng" dirty="0" smtClean="0">
+                <a:latin typeface="Stafford Pro" panose="02000503030000020004" pitchFamily="2" charset="0"/>
+              </a:rPr>
               <a:t>MCTS</a:t>
             </a:r>
-            <a:endParaRPr lang="de-DE" sz="1200" u="sng" dirty="0"/>
+            <a:endParaRPr lang="de-DE" sz="1200" u="sng" dirty="0">
+              <a:latin typeface="Stafford Pro" panose="02000503030000020004" pitchFamily="2" charset="0"/>
+            </a:endParaRPr>
           </a:p>
         </p:txBody>
       </p:sp>
@@ -3403,8 +3487,8 @@
         </p:nvSpPr>
         <p:spPr>
           <a:xfrm>
-            <a:off x="5499312" y="1700660"/>
-            <a:ext cx="860107" cy="461665"/>
+            <a:off x="4932080" y="1706838"/>
+            <a:ext cx="919547" cy="461665"/>
           </a:xfrm>
           <a:prstGeom prst="rect">
             <a:avLst/>
@@ -3419,17 +3503,29 @@
           <a:p>
             <a:pPr algn="ctr"/>
             <a:r>
-              <a:rPr lang="en-US" sz="1200" dirty="0" smtClean="0"/>
+              <a:rPr lang="en-US" sz="1200" dirty="0" smtClean="0">
+                <a:latin typeface="Stafford Pro" panose="02000503030000020004" pitchFamily="2" charset="0"/>
+              </a:rPr>
               <a:t>Schedule</a:t>
             </a:r>
           </a:p>
           <a:p>
             <a:pPr algn="ctr"/>
             <a:r>
-              <a:rPr lang="en-US" sz="1200" dirty="0" smtClean="0"/>
-              <a:t>generation</a:t>
-            </a:r>
-            <a:endParaRPr lang="de-DE" sz="1200" dirty="0"/>
+              <a:rPr lang="en-US" sz="1200" dirty="0">
+                <a:latin typeface="Stafford Pro" panose="02000503030000020004" pitchFamily="2" charset="0"/>
+              </a:rPr>
+              <a:t>G</a:t>
+            </a:r>
+            <a:r>
+              <a:rPr lang="en-US" sz="1200" dirty="0" smtClean="0">
+                <a:latin typeface="Stafford Pro" panose="02000503030000020004" pitchFamily="2" charset="0"/>
+              </a:rPr>
+              <a:t>eneration</a:t>
+            </a:r>
+            <a:endParaRPr lang="de-DE" sz="1200" dirty="0">
+              <a:latin typeface="Stafford Pro" panose="02000503030000020004" pitchFamily="2" charset="0"/>
+            </a:endParaRPr>
           </a:p>
         </p:txBody>
       </p:sp>
@@ -3441,8 +3537,8 @@
         </p:nvSpPr>
         <p:spPr>
           <a:xfrm>
-            <a:off x="6550492" y="1700660"/>
-            <a:ext cx="1057405" cy="461665"/>
+            <a:off x="6074637" y="1706838"/>
+            <a:ext cx="1131785" cy="461665"/>
           </a:xfrm>
           <a:prstGeom prst="rect">
             <a:avLst/>
@@ -3457,17 +3553,29 @@
           <a:p>
             <a:pPr algn="ctr"/>
             <a:r>
-              <a:rPr lang="en-US" sz="1200" dirty="0" smtClean="0"/>
+              <a:rPr lang="en-US" sz="1200" dirty="0" smtClean="0">
+                <a:latin typeface="Stafford Pro" panose="02000503030000020004" pitchFamily="2" charset="0"/>
+              </a:rPr>
               <a:t>Learning from</a:t>
             </a:r>
           </a:p>
           <a:p>
             <a:pPr algn="ctr"/>
             <a:r>
-              <a:rPr lang="en-US" sz="1200" dirty="0" smtClean="0"/>
-              <a:t>reward</a:t>
-            </a:r>
-            <a:endParaRPr lang="de-DE" sz="1200" dirty="0"/>
+              <a:rPr lang="en-US" sz="1200" dirty="0">
+                <a:latin typeface="Stafford Pro" panose="02000503030000020004" pitchFamily="2" charset="0"/>
+              </a:rPr>
+              <a:t>R</a:t>
+            </a:r>
+            <a:r>
+              <a:rPr lang="en-US" sz="1200" dirty="0" smtClean="0">
+                <a:latin typeface="Stafford Pro" panose="02000503030000020004" pitchFamily="2" charset="0"/>
+              </a:rPr>
+              <a:t>eward</a:t>
+            </a:r>
+            <a:endParaRPr lang="de-DE" sz="1200" dirty="0">
+              <a:latin typeface="Stafford Pro" panose="02000503030000020004" pitchFamily="2" charset="0"/>
+            </a:endParaRPr>
           </a:p>
         </p:txBody>
       </p:sp>
@@ -3479,8 +3587,8 @@
         </p:nvSpPr>
         <p:spPr>
           <a:xfrm>
-            <a:off x="5365588" y="2457441"/>
-            <a:ext cx="1127553" cy="646331"/>
+            <a:off x="4773670" y="2506865"/>
+            <a:ext cx="1236365" cy="646331"/>
           </a:xfrm>
           <a:prstGeom prst="rect">
             <a:avLst/>
@@ -3495,32 +3603,56 @@
           <a:p>
             <a:pPr algn="ctr"/>
             <a:r>
-              <a:rPr lang="en-US" sz="1200" dirty="0"/>
-              <a:t>s</a:t>
-            </a:r>
-            <a:r>
-              <a:rPr lang="en-US" sz="1200" dirty="0" smtClean="0"/>
-              <a:t>cheduled BB</a:t>
+              <a:rPr lang="en-US" sz="1200" dirty="0">
+                <a:latin typeface="Stafford Pro" panose="02000503030000020004" pitchFamily="2" charset="0"/>
+              </a:rPr>
+              <a:t>S</a:t>
+            </a:r>
+            <a:r>
+              <a:rPr lang="en-US" sz="1200" dirty="0" smtClean="0">
+                <a:latin typeface="Stafford Pro" panose="02000503030000020004" pitchFamily="2" charset="0"/>
+              </a:rPr>
+              <a:t>cheduled </a:t>
+            </a:r>
+            <a:r>
+              <a:rPr lang="en-US" sz="1200" dirty="0" smtClean="0">
+                <a:latin typeface="Stafford Pro" panose="02000503030000020004" pitchFamily="2" charset="0"/>
+              </a:rPr>
+              <a:t>BB</a:t>
             </a:r>
           </a:p>
           <a:p>
             <a:pPr algn="ctr"/>
             <a:r>
-              <a:rPr lang="en-US" sz="1200" dirty="0"/>
-              <a:t>e</a:t>
-            </a:r>
-            <a:r>
-              <a:rPr lang="en-US" sz="1200" dirty="0" smtClean="0"/>
-              <a:t>xecution on</a:t>
+              <a:rPr lang="en-US" sz="1200" dirty="0">
+                <a:latin typeface="Stafford Pro" panose="02000503030000020004" pitchFamily="2" charset="0"/>
+              </a:rPr>
+              <a:t>E</a:t>
+            </a:r>
+            <a:r>
+              <a:rPr lang="en-US" sz="1200" dirty="0" smtClean="0">
+                <a:latin typeface="Stafford Pro" panose="02000503030000020004" pitchFamily="2" charset="0"/>
+              </a:rPr>
+              <a:t>xecution </a:t>
+            </a:r>
+            <a:r>
+              <a:rPr lang="en-US" sz="1200" dirty="0" smtClean="0">
+                <a:latin typeface="Stafford Pro" panose="02000503030000020004" pitchFamily="2" charset="0"/>
+              </a:rPr>
+              <a:t>on</a:t>
             </a:r>
           </a:p>
           <a:p>
             <a:pPr algn="ctr"/>
             <a:r>
-              <a:rPr lang="en-US" sz="1200" dirty="0" smtClean="0"/>
-              <a:t>target machine</a:t>
-            </a:r>
-            <a:endParaRPr lang="de-DE" sz="1200" dirty="0"/>
+              <a:rPr lang="en-US" sz="1200" dirty="0" smtClean="0">
+                <a:latin typeface="Stafford Pro" panose="02000503030000020004" pitchFamily="2" charset="0"/>
+              </a:rPr>
+              <a:t>Target Machine</a:t>
+            </a:r>
+            <a:endParaRPr lang="de-DE" sz="1200" dirty="0">
+              <a:latin typeface="Stafford Pro" panose="02000503030000020004" pitchFamily="2" charset="0"/>
+            </a:endParaRPr>
           </a:p>
         </p:txBody>
       </p:sp>
@@ -3532,8 +3664,8 @@
         </p:nvSpPr>
         <p:spPr>
           <a:xfrm>
-            <a:off x="6719796" y="2644097"/>
-            <a:ext cx="713850" cy="276999"/>
+            <a:off x="6272123" y="2693521"/>
+            <a:ext cx="731867" cy="276999"/>
           </a:xfrm>
           <a:prstGeom prst="rect">
             <a:avLst/>
@@ -3548,14 +3680,20 @@
           <a:p>
             <a:pPr algn="ctr"/>
             <a:r>
-              <a:rPr lang="en-US" sz="1200" dirty="0"/>
+              <a:rPr lang="en-US" sz="1200" dirty="0">
+                <a:latin typeface="Stafford Pro" panose="02000503030000020004" pitchFamily="2" charset="0"/>
+              </a:rPr>
               <a:t>R</a:t>
             </a:r>
             <a:r>
-              <a:rPr lang="en-US" sz="1200" dirty="0" smtClean="0"/>
+              <a:rPr lang="en-US" sz="1200" dirty="0" smtClean="0">
+                <a:latin typeface="Stafford Pro" panose="02000503030000020004" pitchFamily="2" charset="0"/>
+              </a:rPr>
               <a:t>untime</a:t>
             </a:r>
-            <a:endParaRPr lang="de-DE" sz="1200" dirty="0"/>
+            <a:endParaRPr lang="de-DE" sz="1200" dirty="0">
+              <a:latin typeface="Stafford Pro" panose="02000503030000020004" pitchFamily="2" charset="0"/>
+            </a:endParaRPr>
           </a:p>
         </p:txBody>
       </p:sp>
@@ -3564,17 +3702,19 @@
           <p:cNvPr id="50" name="Elbow Connector 49"/>
           <p:cNvCxnSpPr>
             <a:stCxn id="9" idx="0"/>
-            <a:endCxn id="11" idx="1"/>
+            <a:endCxn id="11" idx="2"/>
           </p:cNvCxnSpPr>
           <p:nvPr/>
         </p:nvCxnSpPr>
         <p:spPr>
-          <a:xfrm rot="5400000" flipH="1" flipV="1">
-            <a:off x="3603725" y="1920574"/>
-            <a:ext cx="613967" cy="635807"/>
-          </a:xfrm>
-          <a:prstGeom prst="bentConnector2">
-            <a:avLst/>
+          <a:xfrm rot="16200000" flipV="1">
+            <a:off x="3567528" y="2349591"/>
+            <a:ext cx="389867" cy="1872"/>
+          </a:xfrm>
+          <a:prstGeom prst="bentConnector3">
+            <a:avLst>
+              <a:gd name="adj1" fmla="val 50000"/>
+            </a:avLst>
           </a:prstGeom>
           <a:ln>
             <a:tailEnd type="triangle"/>
@@ -3606,8 +3746,8 @@
         </p:nvCxnSpPr>
         <p:spPr>
           <a:xfrm rot="16200000" flipH="1">
-            <a:off x="2529263" y="2041014"/>
-            <a:ext cx="613968" cy="671924"/>
+            <a:off x="2603850" y="1992041"/>
+            <a:ext cx="613968" cy="769869"/>
           </a:xfrm>
           <a:prstGeom prst="bentConnector2">
             <a:avLst/>
@@ -3636,18 +3776,19 @@
           <p:cNvPr id="56" name="Elbow Connector 55"/>
           <p:cNvCxnSpPr>
             <a:stCxn id="8" idx="3"/>
-            <a:endCxn id="11" idx="1"/>
+            <a:endCxn id="11" idx="2"/>
           </p:cNvCxnSpPr>
           <p:nvPr/>
         </p:nvCxnSpPr>
         <p:spPr>
-          <a:xfrm flipV="1">
-            <a:off x="4013400" y="1931493"/>
-            <a:ext cx="215212" cy="1131139"/>
-          </a:xfrm>
-          <a:prstGeom prst="bentConnector3">
+          <a:xfrm flipH="1" flipV="1">
+            <a:off x="3761525" y="2155593"/>
+            <a:ext cx="488034" cy="907039"/>
+          </a:xfrm>
+          <a:prstGeom prst="bentConnector4">
             <a:avLst>
-              <a:gd name="adj1" fmla="val 24822"/>
+              <a:gd name="adj1" fmla="val -46841"/>
+              <a:gd name="adj2" fmla="val 78751"/>
             </a:avLst>
           </a:prstGeom>
           <a:ln>
@@ -3680,8 +3821,8 @@
         </p:nvCxnSpPr>
         <p:spPr>
           <a:xfrm rot="5400000">
-            <a:off x="5781808" y="2309883"/>
-            <a:ext cx="295116" cy="1"/>
+            <a:off x="5222673" y="2337684"/>
+            <a:ext cx="338362" cy="1"/>
           </a:xfrm>
           <a:prstGeom prst="bentConnector3">
             <a:avLst/>
@@ -3716,8 +3857,8 @@
         </p:nvCxnSpPr>
         <p:spPr>
           <a:xfrm>
-            <a:off x="6493141" y="2780607"/>
-            <a:ext cx="226655" cy="1990"/>
+            <a:off x="6010035" y="2830031"/>
+            <a:ext cx="262088" cy="1990"/>
           </a:xfrm>
           <a:prstGeom prst="straightConnector1">
             <a:avLst/>
@@ -3752,8 +3893,8 @@
         </p:nvCxnSpPr>
         <p:spPr>
           <a:xfrm flipV="1">
-            <a:off x="7076721" y="2162325"/>
-            <a:ext cx="2474" cy="481772"/>
+            <a:off x="6638057" y="2168503"/>
+            <a:ext cx="2473" cy="525018"/>
           </a:xfrm>
           <a:prstGeom prst="straightConnector1">
             <a:avLst/>
@@ -3788,8 +3929,8 @@
         </p:nvCxnSpPr>
         <p:spPr>
           <a:xfrm flipH="1">
-            <a:off x="6359419" y="1931493"/>
-            <a:ext cx="191073" cy="0"/>
+            <a:off x="5851627" y="1937671"/>
+            <a:ext cx="223010" cy="0"/>
           </a:xfrm>
           <a:prstGeom prst="straightConnector1">
             <a:avLst/>
@@ -3821,8 +3962,8 @@
         </p:nvSpPr>
         <p:spPr>
           <a:xfrm>
-            <a:off x="7962794" y="1551918"/>
-            <a:ext cx="1284326" cy="461665"/>
+            <a:off x="7553761" y="1559149"/>
+            <a:ext cx="958442" cy="646331"/>
           </a:xfrm>
           <a:prstGeom prst="rect">
             <a:avLst/>
@@ -3830,59 +3971,51 @@
           <a:noFill/>
         </p:spPr>
         <p:txBody>
-          <a:bodyPr wrap="none" rtlCol="0" anchor="ctr">
+          <a:bodyPr wrap="square" rtlCol="0" anchor="ctr">
             <a:spAutoFit/>
           </a:bodyPr>
           <a:lstStyle/>
           <a:p>
             <a:pPr algn="ctr"/>
             <a:r>
-              <a:rPr lang="en-US" sz="1200" dirty="0" smtClean="0"/>
-              <a:t>Global</a:t>
-            </a:r>
+              <a:rPr lang="en-US" sz="1200" dirty="0" smtClean="0">
+                <a:latin typeface="Stafford Pro" panose="02000503030000020004" pitchFamily="2" charset="0"/>
+              </a:rPr>
+              <a:t>Inference</a:t>
+            </a:r>
+            <a:endParaRPr lang="en-US" sz="1200" dirty="0" smtClean="0">
+              <a:latin typeface="Stafford Pro" panose="02000503030000020004" pitchFamily="2" charset="0"/>
+            </a:endParaRPr>
           </a:p>
           <a:p>
             <a:pPr algn="ctr"/>
             <a:r>
-              <a:rPr lang="en-US" sz="1200" dirty="0"/>
-              <a:t>s</a:t>
-            </a:r>
-            <a:r>
-              <a:rPr lang="en-US" sz="1200" dirty="0" smtClean="0"/>
-              <a:t>cheduling model</a:t>
-            </a:r>
-            <a:endParaRPr lang="de-DE" sz="1200" dirty="0"/>
-          </a:p>
-        </p:txBody>
-      </p:sp>
-      <p:sp>
-        <p:nvSpPr>
-          <p:cNvPr id="76" name="TextBox 75"/>
-          <p:cNvSpPr txBox="1"/>
-          <p:nvPr/>
-        </p:nvSpPr>
-        <p:spPr>
-          <a:xfrm>
-            <a:off x="8010883" y="2324366"/>
-            <a:ext cx="1188147" cy="276999"/>
-          </a:xfrm>
-          <a:prstGeom prst="rect">
-            <a:avLst/>
-          </a:prstGeom>
-          <a:noFill/>
-        </p:spPr>
-        <p:txBody>
-          <a:bodyPr wrap="none" rtlCol="0" anchor="ctr">
-            <a:spAutoFit/>
-          </a:bodyPr>
-          <a:lstStyle/>
-          <a:p>
-            <a:pPr algn="ctr"/>
-            <a:r>
-              <a:rPr lang="en-US" sz="1200" dirty="0" smtClean="0"/>
-              <a:t>MCTS scheduler</a:t>
-            </a:r>
-            <a:endParaRPr lang="de-DE" sz="1200" dirty="0"/>
+              <a:rPr lang="en-US" sz="1200" dirty="0">
+                <a:latin typeface="Stafford Pro" panose="02000503030000020004" pitchFamily="2" charset="0"/>
+              </a:rPr>
+              <a:t>S</a:t>
+            </a:r>
+            <a:r>
+              <a:rPr lang="en-US" sz="1200" dirty="0" smtClean="0">
+                <a:latin typeface="Stafford Pro" panose="02000503030000020004" pitchFamily="2" charset="0"/>
+              </a:rPr>
+              <a:t>cheduling </a:t>
+            </a:r>
+            <a:r>
+              <a:rPr lang="en-US" sz="1200" dirty="0">
+                <a:latin typeface="Stafford Pro" panose="02000503030000020004" pitchFamily="2" charset="0"/>
+              </a:rPr>
+              <a:t>M</a:t>
+            </a:r>
+            <a:r>
+              <a:rPr lang="en-US" sz="1200" dirty="0" smtClean="0">
+                <a:latin typeface="Stafford Pro" panose="02000503030000020004" pitchFamily="2" charset="0"/>
+              </a:rPr>
+              <a:t>odels</a:t>
+            </a:r>
+            <a:endParaRPr lang="de-DE" sz="1200" dirty="0">
+              <a:latin typeface="Stafford Pro" panose="02000503030000020004" pitchFamily="2" charset="0"/>
+            </a:endParaRPr>
           </a:p>
         </p:txBody>
       </p:sp>
@@ -3897,8 +4030,84 @@
         </p:nvCxnSpPr>
         <p:spPr>
           <a:xfrm>
-            <a:off x="7667283" y="1782751"/>
-            <a:ext cx="295511" cy="0"/>
+            <a:off x="7203906" y="1880719"/>
+            <a:ext cx="349855" cy="1596"/>
+          </a:xfrm>
+          <a:prstGeom prst="straightConnector1">
+            <a:avLst/>
+          </a:prstGeom>
+          <a:ln>
+            <a:tailEnd type="triangle"/>
+          </a:ln>
+        </p:spPr>
+        <p:style>
+          <a:lnRef idx="2">
+            <a:schemeClr val="dk1"/>
+          </a:lnRef>
+          <a:fillRef idx="0">
+            <a:schemeClr val="dk1"/>
+          </a:fillRef>
+          <a:effectRef idx="1">
+            <a:schemeClr val="dk1"/>
+          </a:effectRef>
+          <a:fontRef idx="minor">
+            <a:schemeClr val="tx1"/>
+          </a:fontRef>
+        </p:style>
+      </p:cxnSp>
+      <p:sp>
+        <p:nvSpPr>
+          <p:cNvPr id="53" name="TextBox 52"/>
+          <p:cNvSpPr txBox="1"/>
+          <p:nvPr/>
+        </p:nvSpPr>
+        <p:spPr>
+          <a:xfrm>
+            <a:off x="3209081" y="1408680"/>
+            <a:ext cx="1088247" cy="276999"/>
+          </a:xfrm>
+          <a:prstGeom prst="rect">
+            <a:avLst/>
+          </a:prstGeom>
+          <a:noFill/>
+        </p:spPr>
+        <p:txBody>
+          <a:bodyPr wrap="none" rtlCol="0" anchor="ctr">
+            <a:spAutoFit/>
+          </a:bodyPr>
+          <a:lstStyle/>
+          <a:p>
+            <a:r>
+              <a:rPr lang="en-US" sz="1200" dirty="0" smtClean="0">
+                <a:latin typeface="Stafford Pro" panose="02000503030000020004" pitchFamily="2" charset="0"/>
+              </a:rPr>
+              <a:t>BB </a:t>
+            </a:r>
+            <a:r>
+              <a:rPr lang="en-US" sz="1200" dirty="0" smtClean="0">
+                <a:latin typeface="Stafford Pro" panose="02000503030000020004" pitchFamily="2" charset="0"/>
+              </a:rPr>
+              <a:t>Extraction</a:t>
+            </a:r>
+            <a:endParaRPr lang="de-DE" sz="1200" dirty="0">
+              <a:latin typeface="Stafford Pro" panose="02000503030000020004" pitchFamily="2" charset="0"/>
+            </a:endParaRPr>
+          </a:p>
+        </p:txBody>
+      </p:sp>
+      <p:cxnSp>
+        <p:nvCxnSpPr>
+          <p:cNvPr id="54" name="Straight Arrow Connector 53"/>
+          <p:cNvCxnSpPr>
+            <a:stCxn id="11" idx="0"/>
+            <a:endCxn id="53" idx="2"/>
+          </p:cNvCxnSpPr>
+          <p:nvPr/>
+        </p:nvCxnSpPr>
+        <p:spPr>
+          <a:xfrm flipH="1" flipV="1">
+            <a:off x="3753205" y="1685679"/>
+            <a:ext cx="8320" cy="192915"/>
           </a:xfrm>
           <a:prstGeom prst="straightConnector1">
             <a:avLst/>
@@ -3924,55 +4133,19 @@
       </p:cxnSp>
       <p:cxnSp>
         <p:nvCxnSpPr>
-          <p:cNvPr id="84" name="Straight Arrow Connector 83"/>
+          <p:cNvPr id="59" name="Elbow Connector 58"/>
           <p:cNvCxnSpPr>
-            <a:stCxn id="75" idx="2"/>
-            <a:endCxn id="76" idx="0"/>
+            <a:stCxn id="53" idx="3"/>
+            <a:endCxn id="42" idx="1"/>
           </p:cNvCxnSpPr>
           <p:nvPr/>
         </p:nvCxnSpPr>
         <p:spPr>
           <a:xfrm>
-            <a:off x="8604957" y="2013583"/>
-            <a:ext cx="0" cy="310783"/>
-          </a:xfrm>
-          <a:prstGeom prst="straightConnector1">
-            <a:avLst/>
-          </a:prstGeom>
-          <a:ln>
-            <a:tailEnd type="triangle"/>
-          </a:ln>
-        </p:spPr>
-        <p:style>
-          <a:lnRef idx="2">
-            <a:schemeClr val="dk1"/>
-          </a:lnRef>
-          <a:fillRef idx="0">
-            <a:schemeClr val="dk1"/>
-          </a:fillRef>
-          <a:effectRef idx="1">
-            <a:schemeClr val="dk1"/>
-          </a:effectRef>
-          <a:fontRef idx="minor">
-            <a:schemeClr val="tx1"/>
-          </a:fontRef>
-        </p:style>
-      </p:cxnSp>
-      <p:cxnSp>
-        <p:nvCxnSpPr>
-          <p:cNvPr id="131" name="Straight Arrow Connector 130"/>
-          <p:cNvCxnSpPr>
-            <a:stCxn id="11" idx="3"/>
-            <a:endCxn id="44" idx="1"/>
-          </p:cNvCxnSpPr>
-          <p:nvPr/>
-        </p:nvCxnSpPr>
-        <p:spPr>
-          <a:xfrm>
-            <a:off x="5179513" y="1931493"/>
-            <a:ext cx="319799" cy="0"/>
-          </a:xfrm>
-          <a:prstGeom prst="straightConnector1">
+            <a:off x="4297328" y="1547180"/>
+            <a:ext cx="629075" cy="333539"/>
+          </a:xfrm>
+          <a:prstGeom prst="bentConnector3">
             <a:avLst/>
           </a:prstGeom>
           <a:ln>

--- a/img/ppt/approach_overview.pptx
+++ b/img/ppt/approach_overview.pptx
@@ -2996,13 +2996,7 @@
               <a:rPr lang="en-US" sz="1200" dirty="0" smtClean="0">
                 <a:latin typeface="Stafford Pro" panose="02000503030000020004" pitchFamily="2" charset="0"/>
               </a:rPr>
-              <a:t>LLVM </a:t>
-            </a:r>
-            <a:r>
-              <a:rPr lang="en-US" sz="1200" dirty="0" smtClean="0">
-                <a:latin typeface="Stafford Pro" panose="02000503030000020004" pitchFamily="2" charset="0"/>
-              </a:rPr>
-              <a:t>Test Suite</a:t>
+              <a:t>LLVM Test Suite</a:t>
             </a:r>
             <a:endParaRPr lang="de-DE" sz="1200" dirty="0">
               <a:latin typeface="Stafford Pro" panose="02000503030000020004" pitchFamily="2" charset="0"/>
@@ -3084,17 +3078,8 @@
               <a:rPr lang="en-US" sz="1200" dirty="0" smtClean="0">
                 <a:latin typeface="Stafford Pro" panose="02000503030000020004" pitchFamily="2" charset="0"/>
               </a:rPr>
-              <a:t>BB </a:t>
-            </a:r>
-            <a:r>
-              <a:rPr lang="en-US" sz="1200" dirty="0" smtClean="0">
-                <a:latin typeface="Stafford Pro" panose="02000503030000020004" pitchFamily="2" charset="0"/>
-              </a:rPr>
-              <a:t>Counter</a:t>
-            </a:r>
-            <a:endParaRPr lang="en-US" sz="1200" dirty="0" smtClean="0">
-              <a:latin typeface="Stafford Pro" panose="02000503030000020004" pitchFamily="2" charset="0"/>
-            </a:endParaRPr>
+              <a:t>BB Counter</a:t>
+            </a:r>
           </a:p>
           <a:p>
             <a:pPr algn="ctr"/>
@@ -3130,8 +3115,8 @@
         </p:nvSpPr>
         <p:spPr>
           <a:xfrm>
-            <a:off x="3324683" y="2924132"/>
-            <a:ext cx="924876" cy="276999"/>
+            <a:off x="3291594" y="2831462"/>
+            <a:ext cx="1083925" cy="461665"/>
           </a:xfrm>
           <a:prstGeom prst="rect">
             <a:avLst/>
@@ -3144,6 +3129,7 @@
           </a:bodyPr>
           <a:lstStyle/>
           <a:p>
+            <a:pPr algn="ctr"/>
             <a:r>
               <a:rPr lang="en-US" sz="1200" dirty="0" smtClean="0">
                 <a:latin typeface="Stafford Pro" panose="02000503030000020004" pitchFamily="2" charset="0"/>
@@ -3154,7 +3140,7 @@
               <a:rPr lang="en-US" sz="1200" dirty="0" smtClean="0">
                 <a:latin typeface="Stafford Pro" panose="02000503030000020004" pitchFamily="2" charset="0"/>
               </a:rPr>
-              <a:t>Counts</a:t>
+              <a:t>Execution Counts</a:t>
             </a:r>
             <a:endParaRPr lang="de-DE" sz="1200" dirty="0">
               <a:latin typeface="Stafford Pro" panose="02000503030000020004" pitchFamily="2" charset="0"/>
@@ -3217,7 +3203,7 @@
         </p:nvSpPr>
         <p:spPr>
           <a:xfrm>
-            <a:off x="3295769" y="2545460"/>
+            <a:off x="3358785" y="2465142"/>
             <a:ext cx="935256" cy="276999"/>
           </a:xfrm>
           <a:prstGeom prst="rect">
@@ -3235,13 +3221,7 @@
               <a:rPr lang="en-US" sz="1200" dirty="0" smtClean="0">
                 <a:latin typeface="Stafford Pro" panose="02000503030000020004" pitchFamily="2" charset="0"/>
               </a:rPr>
-              <a:t>BB </a:t>
-            </a:r>
-            <a:r>
-              <a:rPr lang="en-US" sz="1200" dirty="0" smtClean="0">
-                <a:latin typeface="Stafford Pro" panose="02000503030000020004" pitchFamily="2" charset="0"/>
-              </a:rPr>
-              <a:t>Lengths</a:t>
+              <a:t>BB Lengths</a:t>
             </a:r>
             <a:endParaRPr lang="de-DE" sz="1200" dirty="0">
               <a:latin typeface="Stafford Pro" panose="02000503030000020004" pitchFamily="2" charset="0"/>
@@ -3257,7 +3237,7 @@
         </p:nvSpPr>
         <p:spPr>
           <a:xfrm>
-            <a:off x="3256547" y="1878594"/>
+            <a:off x="3322400" y="1878594"/>
             <a:ext cx="1009956" cy="276999"/>
           </a:xfrm>
           <a:prstGeom prst="rect">
@@ -3275,13 +3255,7 @@
               <a:rPr lang="en-US" sz="1200" dirty="0" smtClean="0">
                 <a:latin typeface="Stafford Pro" panose="02000503030000020004" pitchFamily="2" charset="0"/>
               </a:rPr>
-              <a:t>BB </a:t>
-            </a:r>
-            <a:r>
-              <a:rPr lang="en-US" sz="1200" dirty="0" smtClean="0">
-                <a:latin typeface="Stafford Pro" panose="02000503030000020004" pitchFamily="2" charset="0"/>
-              </a:rPr>
-              <a:t>Selection</a:t>
+              <a:t>BB Selection</a:t>
             </a:r>
             <a:endParaRPr lang="de-DE" sz="1200" dirty="0">
               <a:latin typeface="Stafford Pro" panose="02000503030000020004" pitchFamily="2" charset="0"/>
@@ -3407,7 +3381,7 @@
         <p:spPr>
           <a:xfrm>
             <a:off x="3088524" y="3059737"/>
-            <a:ext cx="236159" cy="2895"/>
+            <a:ext cx="203070" cy="2558"/>
           </a:xfrm>
           <a:prstGeom prst="straightConnector1">
             <a:avLst/>
@@ -3612,13 +3586,7 @@
               <a:rPr lang="en-US" sz="1200" dirty="0" smtClean="0">
                 <a:latin typeface="Stafford Pro" panose="02000503030000020004" pitchFamily="2" charset="0"/>
               </a:rPr>
-              <a:t>cheduled </a:t>
-            </a:r>
-            <a:r>
-              <a:rPr lang="en-US" sz="1200" dirty="0" smtClean="0">
-                <a:latin typeface="Stafford Pro" panose="02000503030000020004" pitchFamily="2" charset="0"/>
-              </a:rPr>
-              <a:t>BB</a:t>
+              <a:t>cheduled BB</a:t>
             </a:r>
           </a:p>
           <a:p>
@@ -3633,13 +3601,7 @@
               <a:rPr lang="en-US" sz="1200" dirty="0" smtClean="0">
                 <a:latin typeface="Stafford Pro" panose="02000503030000020004" pitchFamily="2" charset="0"/>
               </a:rPr>
-              <a:t>xecution </a:t>
-            </a:r>
-            <a:r>
-              <a:rPr lang="en-US" sz="1200" dirty="0" smtClean="0">
-                <a:latin typeface="Stafford Pro" panose="02000503030000020004" pitchFamily="2" charset="0"/>
-              </a:rPr>
-              <a:t>on</a:t>
+              <a:t>xecution on</a:t>
             </a:r>
           </a:p>
           <a:p>
@@ -3664,8 +3626,8 @@
         </p:nvSpPr>
         <p:spPr>
           <a:xfrm>
-            <a:off x="6272123" y="2693521"/>
-            <a:ext cx="731867" cy="276999"/>
+            <a:off x="6178378" y="2601188"/>
+            <a:ext cx="923251" cy="461665"/>
           </a:xfrm>
           <a:prstGeom prst="rect">
             <a:avLst/>
@@ -3673,7 +3635,7 @@
           <a:noFill/>
         </p:spPr>
         <p:txBody>
-          <a:bodyPr wrap="none" rtlCol="0" anchor="ctr">
+          <a:bodyPr wrap="square" rtlCol="0" anchor="ctr">
             <a:spAutoFit/>
           </a:bodyPr>
           <a:lstStyle/>
@@ -3683,13 +3645,13 @@
               <a:rPr lang="en-US" sz="1200" dirty="0">
                 <a:latin typeface="Stafford Pro" panose="02000503030000020004" pitchFamily="2" charset="0"/>
               </a:rPr>
-              <a:t>R</a:t>
+              <a:t>Runtime </a:t>
             </a:r>
             <a:r>
               <a:rPr lang="en-US" sz="1200" dirty="0" smtClean="0">
                 <a:latin typeface="Stafford Pro" panose="02000503030000020004" pitchFamily="2" charset="0"/>
               </a:rPr>
-              <a:t>untime</a:t>
+              <a:t>Measuring</a:t>
             </a:r>
             <a:endParaRPr lang="de-DE" sz="1200" dirty="0">
               <a:latin typeface="Stafford Pro" panose="02000503030000020004" pitchFamily="2" charset="0"/>
@@ -3707,9 +3669,9 @@
           <p:nvPr/>
         </p:nvCxnSpPr>
         <p:spPr>
-          <a:xfrm rot="16200000" flipV="1">
-            <a:off x="3567528" y="2349591"/>
-            <a:ext cx="389867" cy="1872"/>
+          <a:xfrm rot="5400000" flipH="1" flipV="1">
+            <a:off x="3672121" y="2309886"/>
+            <a:ext cx="309549" cy="965"/>
           </a:xfrm>
           <a:prstGeom prst="bentConnector3">
             <a:avLst>
@@ -3746,8 +3708,8 @@
         </p:nvCxnSpPr>
         <p:spPr>
           <a:xfrm rot="16200000" flipH="1">
-            <a:off x="2603850" y="1992041"/>
-            <a:ext cx="613968" cy="769869"/>
+            <a:off x="2675517" y="1920374"/>
+            <a:ext cx="533650" cy="832885"/>
           </a:xfrm>
           <a:prstGeom prst="bentConnector2">
             <a:avLst/>
@@ -3782,13 +3744,13 @@
         </p:nvCxnSpPr>
         <p:spPr>
           <a:xfrm flipH="1" flipV="1">
-            <a:off x="3761525" y="2155593"/>
-            <a:ext cx="488034" cy="907039"/>
+            <a:off x="3827378" y="2155593"/>
+            <a:ext cx="548141" cy="906702"/>
           </a:xfrm>
           <a:prstGeom prst="bentConnector4">
             <a:avLst>
-              <a:gd name="adj1" fmla="val -46841"/>
-              <a:gd name="adj2" fmla="val 78751"/>
+              <a:gd name="adj1" fmla="val -41705"/>
+              <a:gd name="adj2" fmla="val 82426"/>
             </a:avLst>
           </a:prstGeom>
           <a:ln>
@@ -3858,7 +3820,7 @@
         <p:spPr>
           <a:xfrm>
             <a:off x="6010035" y="2830031"/>
-            <a:ext cx="262088" cy="1990"/>
+            <a:ext cx="168343" cy="1990"/>
           </a:xfrm>
           <a:prstGeom prst="straightConnector1">
             <a:avLst/>
@@ -3893,8 +3855,8 @@
         </p:nvCxnSpPr>
         <p:spPr>
           <a:xfrm flipV="1">
-            <a:off x="6638057" y="2168503"/>
-            <a:ext cx="2473" cy="525018"/>
+            <a:off x="6640004" y="2168503"/>
+            <a:ext cx="526" cy="432685"/>
           </a:xfrm>
           <a:prstGeom prst="straightConnector1">
             <a:avLst/>
@@ -3983,9 +3945,6 @@
               </a:rPr>
               <a:t>Inference</a:t>
             </a:r>
-            <a:endParaRPr lang="en-US" sz="1200" dirty="0" smtClean="0">
-              <a:latin typeface="Stafford Pro" panose="02000503030000020004" pitchFamily="2" charset="0"/>
-            </a:endParaRPr>
           </a:p>
           <a:p>
             <a:pPr algn="ctr"/>
@@ -4063,7 +4022,7 @@
         </p:nvSpPr>
         <p:spPr>
           <a:xfrm>
-            <a:off x="3209081" y="1408680"/>
+            <a:off x="3289433" y="1408680"/>
             <a:ext cx="1088247" cy="276999"/>
           </a:xfrm>
           <a:prstGeom prst="rect">
@@ -4081,13 +4040,7 @@
               <a:rPr lang="en-US" sz="1200" dirty="0" smtClean="0">
                 <a:latin typeface="Stafford Pro" panose="02000503030000020004" pitchFamily="2" charset="0"/>
               </a:rPr>
-              <a:t>BB </a:t>
-            </a:r>
-            <a:r>
-              <a:rPr lang="en-US" sz="1200" dirty="0" smtClean="0">
-                <a:latin typeface="Stafford Pro" panose="02000503030000020004" pitchFamily="2" charset="0"/>
-              </a:rPr>
-              <a:t>Extraction</a:t>
+              <a:t>BB Extraction</a:t>
             </a:r>
             <a:endParaRPr lang="de-DE" sz="1200" dirty="0">
               <a:latin typeface="Stafford Pro" panose="02000503030000020004" pitchFamily="2" charset="0"/>
@@ -4105,9 +4058,9 @@
           <p:nvPr/>
         </p:nvCxnSpPr>
         <p:spPr>
-          <a:xfrm flipH="1" flipV="1">
-            <a:off x="3753205" y="1685679"/>
-            <a:ext cx="8320" cy="192915"/>
+          <a:xfrm flipV="1">
+            <a:off x="3827378" y="1685679"/>
+            <a:ext cx="6179" cy="192915"/>
           </a:xfrm>
           <a:prstGeom prst="straightConnector1">
             <a:avLst/>
@@ -4142,11 +4095,13 @@
         </p:nvCxnSpPr>
         <p:spPr>
           <a:xfrm>
-            <a:off x="4297328" y="1547180"/>
-            <a:ext cx="629075" cy="333539"/>
+            <a:off x="4377680" y="1547180"/>
+            <a:ext cx="548723" cy="333539"/>
           </a:xfrm>
           <a:prstGeom prst="bentConnector3">
-            <a:avLst/>
+            <a:avLst>
+              <a:gd name="adj1" fmla="val 34237"/>
+            </a:avLst>
           </a:prstGeom>
           <a:ln>
             <a:tailEnd type="triangle"/>
